--- a/seven_steps_of_action.pptx
+++ b/seven_steps_of_action.pptx
@@ -125,6 +125,193 @@
 </p:presentation>
 </file>
 
+<file path=ppt/changesInfos/changesInfo1.xml><?xml version="1.0" encoding="utf-8"?>
+<pc:chgInfo xmlns:a="http://schemas.openxmlformats.org/drawingml/2006/main" xmlns:r="http://schemas.openxmlformats.org/officeDocument/2006/relationships" xmlns:ac="http://schemas.microsoft.com/office/drawing/2013/main/command" xmlns:pc="http://schemas.microsoft.com/office/powerpoint/2013/main/command">
+  <pc:docChgLst>
+    <pc:chgData name="佐藤 良治" userId="f476b825f67e9d69" providerId="LiveId" clId="{3CAD801A-F363-4EA9-89BE-26BC65909860}"/>
+    <pc:docChg chg="modSld">
+      <pc:chgData name="佐藤 良治" userId="f476b825f67e9d69" providerId="LiveId" clId="{3CAD801A-F363-4EA9-89BE-26BC65909860}" dt="2022-07-30T04:46:10.151" v="6" actId="255"/>
+      <pc:docMkLst>
+        <pc:docMk/>
+      </pc:docMkLst>
+      <pc:sldChg chg="modSp mod">
+        <pc:chgData name="佐藤 良治" userId="f476b825f67e9d69" providerId="LiveId" clId="{3CAD801A-F363-4EA9-89BE-26BC65909860}" dt="2022-07-30T04:45:51.690" v="3" actId="404"/>
+        <pc:sldMkLst>
+          <pc:docMk/>
+          <pc:sldMk cId="2734624134" sldId="256"/>
+        </pc:sldMkLst>
+        <pc:spChg chg="mod">
+          <ac:chgData name="佐藤 良治" userId="f476b825f67e9d69" providerId="LiveId" clId="{3CAD801A-F363-4EA9-89BE-26BC65909860}" dt="2022-07-30T04:45:51.690" v="3" actId="404"/>
+          <ac:spMkLst>
+            <pc:docMk/>
+            <pc:sldMk cId="2734624134" sldId="256"/>
+            <ac:spMk id="4" creationId="{772F1A08-840D-5E8C-6267-4EF05DE87CC8}"/>
+          </ac:spMkLst>
+        </pc:spChg>
+        <pc:spChg chg="mod">
+          <ac:chgData name="佐藤 良治" userId="f476b825f67e9d69" providerId="LiveId" clId="{3CAD801A-F363-4EA9-89BE-26BC65909860}" dt="2022-07-30T04:45:51.690" v="3" actId="404"/>
+          <ac:spMkLst>
+            <pc:docMk/>
+            <pc:sldMk cId="2734624134" sldId="256"/>
+            <ac:spMk id="7" creationId="{AB7E9A5F-C00D-0181-AC74-5DFD39AF42D0}"/>
+          </ac:spMkLst>
+        </pc:spChg>
+        <pc:spChg chg="mod">
+          <ac:chgData name="佐藤 良治" userId="f476b825f67e9d69" providerId="LiveId" clId="{3CAD801A-F363-4EA9-89BE-26BC65909860}" dt="2022-07-30T04:45:51.690" v="3" actId="404"/>
+          <ac:spMkLst>
+            <pc:docMk/>
+            <pc:sldMk cId="2734624134" sldId="256"/>
+            <ac:spMk id="8" creationId="{017F0E8F-8B12-1B69-2311-562961D0C9FB}"/>
+          </ac:spMkLst>
+        </pc:spChg>
+        <pc:spChg chg="mod">
+          <ac:chgData name="佐藤 良治" userId="f476b825f67e9d69" providerId="LiveId" clId="{3CAD801A-F363-4EA9-89BE-26BC65909860}" dt="2022-07-30T04:45:51.690" v="3" actId="404"/>
+          <ac:spMkLst>
+            <pc:docMk/>
+            <pc:sldMk cId="2734624134" sldId="256"/>
+            <ac:spMk id="9" creationId="{F3F95F15-A6F9-DE96-FF29-88658CDA844D}"/>
+          </ac:spMkLst>
+        </pc:spChg>
+        <pc:spChg chg="mod">
+          <ac:chgData name="佐藤 良治" userId="f476b825f67e9d69" providerId="LiveId" clId="{3CAD801A-F363-4EA9-89BE-26BC65909860}" dt="2022-07-30T04:45:51.690" v="3" actId="404"/>
+          <ac:spMkLst>
+            <pc:docMk/>
+            <pc:sldMk cId="2734624134" sldId="256"/>
+            <ac:spMk id="10" creationId="{D99A49AF-C8E2-5C4E-D00C-8DC35234E640}"/>
+          </ac:spMkLst>
+        </pc:spChg>
+        <pc:spChg chg="mod">
+          <ac:chgData name="佐藤 良治" userId="f476b825f67e9d69" providerId="LiveId" clId="{3CAD801A-F363-4EA9-89BE-26BC65909860}" dt="2022-07-30T04:45:51.690" v="3" actId="404"/>
+          <ac:spMkLst>
+            <pc:docMk/>
+            <pc:sldMk cId="2734624134" sldId="256"/>
+            <ac:spMk id="11" creationId="{6D94D2A9-F8BA-59CF-BC78-964B61C15A20}"/>
+          </ac:spMkLst>
+        </pc:spChg>
+        <pc:spChg chg="mod">
+          <ac:chgData name="佐藤 良治" userId="f476b825f67e9d69" providerId="LiveId" clId="{3CAD801A-F363-4EA9-89BE-26BC65909860}" dt="2022-07-30T04:45:51.690" v="3" actId="404"/>
+          <ac:spMkLst>
+            <pc:docMk/>
+            <pc:sldMk cId="2734624134" sldId="256"/>
+            <ac:spMk id="12" creationId="{2AC7E7C7-9456-0AB5-223C-C66D46408BE7}"/>
+          </ac:spMkLst>
+        </pc:spChg>
+        <pc:spChg chg="mod">
+          <ac:chgData name="佐藤 良治" userId="f476b825f67e9d69" providerId="LiveId" clId="{3CAD801A-F363-4EA9-89BE-26BC65909860}" dt="2022-07-30T04:45:51.690" v="3" actId="404"/>
+          <ac:spMkLst>
+            <pc:docMk/>
+            <pc:sldMk cId="2734624134" sldId="256"/>
+            <ac:spMk id="13" creationId="{A7F06A04-B409-2A2F-047B-CEF253CC4DE4}"/>
+          </ac:spMkLst>
+        </pc:spChg>
+      </pc:sldChg>
+      <pc:sldChg chg="modSp mod">
+        <pc:chgData name="佐藤 良治" userId="f476b825f67e9d69" providerId="LiveId" clId="{3CAD801A-F363-4EA9-89BE-26BC65909860}" dt="2022-07-30T04:46:01.171" v="5" actId="255"/>
+        <pc:sldMkLst>
+          <pc:docMk/>
+          <pc:sldMk cId="3100346050" sldId="257"/>
+        </pc:sldMkLst>
+        <pc:spChg chg="mod">
+          <ac:chgData name="佐藤 良治" userId="f476b825f67e9d69" providerId="LiveId" clId="{3CAD801A-F363-4EA9-89BE-26BC65909860}" dt="2022-07-30T04:46:01.171" v="5" actId="255"/>
+          <ac:spMkLst>
+            <pc:docMk/>
+            <pc:sldMk cId="3100346050" sldId="257"/>
+            <ac:spMk id="4" creationId="{772F1A08-840D-5E8C-6267-4EF05DE87CC8}"/>
+          </ac:spMkLst>
+        </pc:spChg>
+        <pc:spChg chg="mod">
+          <ac:chgData name="佐藤 良治" userId="f476b825f67e9d69" providerId="LiveId" clId="{3CAD801A-F363-4EA9-89BE-26BC65909860}" dt="2022-07-30T04:46:01.171" v="5" actId="255"/>
+          <ac:spMkLst>
+            <pc:docMk/>
+            <pc:sldMk cId="3100346050" sldId="257"/>
+            <ac:spMk id="7" creationId="{AB7E9A5F-C00D-0181-AC74-5DFD39AF42D0}"/>
+          </ac:spMkLst>
+        </pc:spChg>
+        <pc:spChg chg="mod">
+          <ac:chgData name="佐藤 良治" userId="f476b825f67e9d69" providerId="LiveId" clId="{3CAD801A-F363-4EA9-89BE-26BC65909860}" dt="2022-07-30T04:46:01.171" v="5" actId="255"/>
+          <ac:spMkLst>
+            <pc:docMk/>
+            <pc:sldMk cId="3100346050" sldId="257"/>
+            <ac:spMk id="8" creationId="{017F0E8F-8B12-1B69-2311-562961D0C9FB}"/>
+          </ac:spMkLst>
+        </pc:spChg>
+        <pc:spChg chg="mod">
+          <ac:chgData name="佐藤 良治" userId="f476b825f67e9d69" providerId="LiveId" clId="{3CAD801A-F363-4EA9-89BE-26BC65909860}" dt="2022-07-30T04:46:01.171" v="5" actId="255"/>
+          <ac:spMkLst>
+            <pc:docMk/>
+            <pc:sldMk cId="3100346050" sldId="257"/>
+            <ac:spMk id="9" creationId="{F3F95F15-A6F9-DE96-FF29-88658CDA844D}"/>
+          </ac:spMkLst>
+        </pc:spChg>
+        <pc:spChg chg="mod">
+          <ac:chgData name="佐藤 良治" userId="f476b825f67e9d69" providerId="LiveId" clId="{3CAD801A-F363-4EA9-89BE-26BC65909860}" dt="2022-07-30T04:46:01.171" v="5" actId="255"/>
+          <ac:spMkLst>
+            <pc:docMk/>
+            <pc:sldMk cId="3100346050" sldId="257"/>
+            <ac:spMk id="10" creationId="{D99A49AF-C8E2-5C4E-D00C-8DC35234E640}"/>
+          </ac:spMkLst>
+        </pc:spChg>
+        <pc:spChg chg="mod">
+          <ac:chgData name="佐藤 良治" userId="f476b825f67e9d69" providerId="LiveId" clId="{3CAD801A-F363-4EA9-89BE-26BC65909860}" dt="2022-07-30T04:46:01.171" v="5" actId="255"/>
+          <ac:spMkLst>
+            <pc:docMk/>
+            <pc:sldMk cId="3100346050" sldId="257"/>
+            <ac:spMk id="11" creationId="{6D94D2A9-F8BA-59CF-BC78-964B61C15A20}"/>
+          </ac:spMkLst>
+        </pc:spChg>
+        <pc:spChg chg="mod">
+          <ac:chgData name="佐藤 良治" userId="f476b825f67e9d69" providerId="LiveId" clId="{3CAD801A-F363-4EA9-89BE-26BC65909860}" dt="2022-07-30T04:46:01.171" v="5" actId="255"/>
+          <ac:spMkLst>
+            <pc:docMk/>
+            <pc:sldMk cId="3100346050" sldId="257"/>
+            <ac:spMk id="12" creationId="{2AC7E7C7-9456-0AB5-223C-C66D46408BE7}"/>
+          </ac:spMkLst>
+        </pc:spChg>
+        <pc:spChg chg="mod">
+          <ac:chgData name="佐藤 良治" userId="f476b825f67e9d69" providerId="LiveId" clId="{3CAD801A-F363-4EA9-89BE-26BC65909860}" dt="2022-07-30T04:46:01.171" v="5" actId="255"/>
+          <ac:spMkLst>
+            <pc:docMk/>
+            <pc:sldMk cId="3100346050" sldId="257"/>
+            <ac:spMk id="13" creationId="{A7F06A04-B409-2A2F-047B-CEF253CC4DE4}"/>
+          </ac:spMkLst>
+        </pc:spChg>
+      </pc:sldChg>
+      <pc:sldChg chg="modSp mod">
+        <pc:chgData name="佐藤 良治" userId="f476b825f67e9d69" providerId="LiveId" clId="{3CAD801A-F363-4EA9-89BE-26BC65909860}" dt="2022-07-30T04:46:10.151" v="6" actId="255"/>
+        <pc:sldMkLst>
+          <pc:docMk/>
+          <pc:sldMk cId="680848675" sldId="258"/>
+        </pc:sldMkLst>
+        <pc:spChg chg="mod">
+          <ac:chgData name="佐藤 良治" userId="f476b825f67e9d69" providerId="LiveId" clId="{3CAD801A-F363-4EA9-89BE-26BC65909860}" dt="2022-07-30T04:46:10.151" v="6" actId="255"/>
+          <ac:spMkLst>
+            <pc:docMk/>
+            <pc:sldMk cId="680848675" sldId="258"/>
+            <ac:spMk id="7" creationId="{AB7E9A5F-C00D-0181-AC74-5DFD39AF42D0}"/>
+          </ac:spMkLst>
+        </pc:spChg>
+        <pc:spChg chg="mod">
+          <ac:chgData name="佐藤 良治" userId="f476b825f67e9d69" providerId="LiveId" clId="{3CAD801A-F363-4EA9-89BE-26BC65909860}" dt="2022-07-30T04:46:10.151" v="6" actId="255"/>
+          <ac:spMkLst>
+            <pc:docMk/>
+            <pc:sldMk cId="680848675" sldId="258"/>
+            <ac:spMk id="10" creationId="{D99A49AF-C8E2-5C4E-D00C-8DC35234E640}"/>
+          </ac:spMkLst>
+        </pc:spChg>
+        <pc:spChg chg="mod">
+          <ac:chgData name="佐藤 良治" userId="f476b825f67e9d69" providerId="LiveId" clId="{3CAD801A-F363-4EA9-89BE-26BC65909860}" dt="2022-07-30T04:46:10.151" v="6" actId="255"/>
+          <ac:spMkLst>
+            <pc:docMk/>
+            <pc:sldMk cId="680848675" sldId="258"/>
+            <ac:spMk id="13" creationId="{A7F06A04-B409-2A2F-047B-CEF253CC4DE4}"/>
+          </ac:spMkLst>
+        </pc:spChg>
+      </pc:sldChg>
+    </pc:docChg>
+  </pc:docChgLst>
+</pc:chgInfo>
+</file>
+
 <file path=ppt/slideLayouts/slideLayout1.xml><?xml version="1.0" encoding="utf-8"?>
 <p:sldLayout xmlns:a="http://schemas.openxmlformats.org/drawingml/2006/main" xmlns:r="http://schemas.openxmlformats.org/officeDocument/2006/relationships" xmlns:p="http://schemas.openxmlformats.org/presentationml/2006/main" type="title" preserve="1">
   <p:cSld name="タイトル スライド">
@@ -272,7 +459,7 @@
           <a:p>
             <a:fld id="{32D98863-1800-49C1-8D11-C3F99AA02169}" type="datetimeFigureOut">
               <a:rPr kumimoji="1" lang="ja-JP" altLang="en-US" smtClean="0"/>
-              <a:t>2022/7/11</a:t>
+              <a:t>2022/7/30</a:t>
             </a:fld>
             <a:endParaRPr kumimoji="1" lang="ja-JP" altLang="en-US"/>
           </a:p>
@@ -502,7 +689,7 @@
           <a:p>
             <a:fld id="{32D98863-1800-49C1-8D11-C3F99AA02169}" type="datetimeFigureOut">
               <a:rPr kumimoji="1" lang="ja-JP" altLang="en-US" smtClean="0"/>
-              <a:t>2022/7/11</a:t>
+              <a:t>2022/7/30</a:t>
             </a:fld>
             <a:endParaRPr kumimoji="1" lang="ja-JP" altLang="en-US"/>
           </a:p>
@@ -742,7 +929,7 @@
           <a:p>
             <a:fld id="{32D98863-1800-49C1-8D11-C3F99AA02169}" type="datetimeFigureOut">
               <a:rPr kumimoji="1" lang="ja-JP" altLang="en-US" smtClean="0"/>
-              <a:t>2022/7/11</a:t>
+              <a:t>2022/7/30</a:t>
             </a:fld>
             <a:endParaRPr kumimoji="1" lang="ja-JP" altLang="en-US"/>
           </a:p>
@@ -972,7 +1159,7 @@
           <a:p>
             <a:fld id="{32D98863-1800-49C1-8D11-C3F99AA02169}" type="datetimeFigureOut">
               <a:rPr kumimoji="1" lang="ja-JP" altLang="en-US" smtClean="0"/>
-              <a:t>2022/7/11</a:t>
+              <a:t>2022/7/30</a:t>
             </a:fld>
             <a:endParaRPr kumimoji="1" lang="ja-JP" altLang="en-US"/>
           </a:p>
@@ -1247,7 +1434,7 @@
           <a:p>
             <a:fld id="{32D98863-1800-49C1-8D11-C3F99AA02169}" type="datetimeFigureOut">
               <a:rPr kumimoji="1" lang="ja-JP" altLang="en-US" smtClean="0"/>
-              <a:t>2022/7/11</a:t>
+              <a:t>2022/7/30</a:t>
             </a:fld>
             <a:endParaRPr kumimoji="1" lang="ja-JP" altLang="en-US"/>
           </a:p>
@@ -1576,7 +1763,7 @@
           <a:p>
             <a:fld id="{32D98863-1800-49C1-8D11-C3F99AA02169}" type="datetimeFigureOut">
               <a:rPr kumimoji="1" lang="ja-JP" altLang="en-US" smtClean="0"/>
-              <a:t>2022/7/11</a:t>
+              <a:t>2022/7/30</a:t>
             </a:fld>
             <a:endParaRPr kumimoji="1" lang="ja-JP" altLang="en-US"/>
           </a:p>
@@ -2052,7 +2239,7 @@
           <a:p>
             <a:fld id="{32D98863-1800-49C1-8D11-C3F99AA02169}" type="datetimeFigureOut">
               <a:rPr kumimoji="1" lang="ja-JP" altLang="en-US" smtClean="0"/>
-              <a:t>2022/7/11</a:t>
+              <a:t>2022/7/30</a:t>
             </a:fld>
             <a:endParaRPr kumimoji="1" lang="ja-JP" altLang="en-US"/>
           </a:p>
@@ -2193,7 +2380,7 @@
           <a:p>
             <a:fld id="{32D98863-1800-49C1-8D11-C3F99AA02169}" type="datetimeFigureOut">
               <a:rPr kumimoji="1" lang="ja-JP" altLang="en-US" smtClean="0"/>
-              <a:t>2022/7/11</a:t>
+              <a:t>2022/7/30</a:t>
             </a:fld>
             <a:endParaRPr kumimoji="1" lang="ja-JP" altLang="en-US"/>
           </a:p>
@@ -2306,7 +2493,7 @@
           <a:p>
             <a:fld id="{32D98863-1800-49C1-8D11-C3F99AA02169}" type="datetimeFigureOut">
               <a:rPr kumimoji="1" lang="ja-JP" altLang="en-US" smtClean="0"/>
-              <a:t>2022/7/11</a:t>
+              <a:t>2022/7/30</a:t>
             </a:fld>
             <a:endParaRPr kumimoji="1" lang="ja-JP" altLang="en-US"/>
           </a:p>
@@ -2649,7 +2836,7 @@
           <a:p>
             <a:fld id="{32D98863-1800-49C1-8D11-C3F99AA02169}" type="datetimeFigureOut">
               <a:rPr kumimoji="1" lang="ja-JP" altLang="en-US" smtClean="0"/>
-              <a:t>2022/7/11</a:t>
+              <a:t>2022/7/30</a:t>
             </a:fld>
             <a:endParaRPr kumimoji="1" lang="ja-JP" altLang="en-US"/>
           </a:p>
@@ -2937,7 +3124,7 @@
           <a:p>
             <a:fld id="{32D98863-1800-49C1-8D11-C3F99AA02169}" type="datetimeFigureOut">
               <a:rPr kumimoji="1" lang="ja-JP" altLang="en-US" smtClean="0"/>
-              <a:t>2022/7/11</a:t>
+              <a:t>2022/7/30</a:t>
             </a:fld>
             <a:endParaRPr kumimoji="1" lang="ja-JP" altLang="en-US"/>
           </a:p>
@@ -3210,7 +3397,7 @@
           <a:p>
             <a:fld id="{32D98863-1800-49C1-8D11-C3F99AA02169}" type="datetimeFigureOut">
               <a:rPr kumimoji="1" lang="ja-JP" altLang="en-US" smtClean="0"/>
-              <a:t>2022/7/11</a:t>
+              <a:t>2022/7/30</a:t>
             </a:fld>
             <a:endParaRPr kumimoji="1" lang="ja-JP" altLang="en-US"/>
           </a:p>
@@ -3674,14 +3861,14 @@
           <a:p>
             <a:pPr algn="ctr"/>
             <a:r>
-              <a:rPr kumimoji="1" lang="en-US" altLang="ja-JP" b="1" dirty="0">
+              <a:rPr kumimoji="1" lang="en-US" altLang="ja-JP" sz="2400" b="1" dirty="0">
                 <a:latin typeface="BIZ UDPゴシック" panose="020B0400000000000000" pitchFamily="50" charset="-128"/>
                 <a:ea typeface="BIZ UDPゴシック" panose="020B0400000000000000" pitchFamily="50" charset="-128"/>
               </a:rPr>
               <a:t>(1) </a:t>
             </a:r>
             <a:r>
-              <a:rPr kumimoji="1" lang="ja-JP" altLang="en-US" b="1" dirty="0">
+              <a:rPr kumimoji="1" lang="ja-JP" altLang="en-US" sz="2400" b="1" dirty="0">
                 <a:latin typeface="BIZ UDPゴシック" panose="020B0400000000000000" pitchFamily="50" charset="-128"/>
                 <a:ea typeface="BIZ UDPゴシック" panose="020B0400000000000000" pitchFamily="50" charset="-128"/>
               </a:rPr>
@@ -3737,14 +3924,14 @@
           <a:p>
             <a:pPr algn="ctr"/>
             <a:r>
-              <a:rPr kumimoji="1" lang="en-US" altLang="ja-JP" b="1" dirty="0">
+              <a:rPr kumimoji="1" lang="en-US" altLang="ja-JP" sz="2400" b="1" dirty="0">
                 <a:latin typeface="BIZ UDPゴシック" panose="020B0400000000000000" pitchFamily="50" charset="-128"/>
                 <a:ea typeface="BIZ UDPゴシック" panose="020B0400000000000000" pitchFamily="50" charset="-128"/>
               </a:rPr>
               <a:t>(2) </a:t>
             </a:r>
             <a:r>
-              <a:rPr kumimoji="1" lang="ja-JP" altLang="en-US" b="1" dirty="0">
+              <a:rPr kumimoji="1" lang="ja-JP" altLang="en-US" sz="2400" b="1" dirty="0">
                 <a:latin typeface="BIZ UDPゴシック" panose="020B0400000000000000" pitchFamily="50" charset="-128"/>
                 <a:ea typeface="BIZ UDPゴシック" panose="020B0400000000000000" pitchFamily="50" charset="-128"/>
               </a:rPr>
@@ -3800,14 +3987,14 @@
           <a:p>
             <a:pPr algn="ctr"/>
             <a:r>
-              <a:rPr kumimoji="1" lang="en-US" altLang="ja-JP" b="1" dirty="0">
+              <a:rPr kumimoji="1" lang="en-US" altLang="ja-JP" sz="2400" b="1" dirty="0">
                 <a:latin typeface="BIZ UDPゴシック" panose="020B0400000000000000" pitchFamily="50" charset="-128"/>
                 <a:ea typeface="BIZ UDPゴシック" panose="020B0400000000000000" pitchFamily="50" charset="-128"/>
               </a:rPr>
               <a:t>(3) </a:t>
             </a:r>
             <a:r>
-              <a:rPr kumimoji="1" lang="ja-JP" altLang="en-US" b="1" dirty="0">
+              <a:rPr kumimoji="1" lang="ja-JP" altLang="en-US" sz="2400" b="1" dirty="0">
                 <a:latin typeface="BIZ UDPゴシック" panose="020B0400000000000000" pitchFamily="50" charset="-128"/>
                 <a:ea typeface="BIZ UDPゴシック" panose="020B0400000000000000" pitchFamily="50" charset="-128"/>
               </a:rPr>
@@ -3863,14 +4050,14 @@
           <a:p>
             <a:pPr algn="ctr"/>
             <a:r>
-              <a:rPr kumimoji="1" lang="en-US" altLang="ja-JP" b="1" dirty="0">
+              <a:rPr kumimoji="1" lang="en-US" altLang="ja-JP" sz="2400" b="1" dirty="0">
                 <a:latin typeface="BIZ UDPゴシック" panose="020B0400000000000000" pitchFamily="50" charset="-128"/>
                 <a:ea typeface="BIZ UDPゴシック" panose="020B0400000000000000" pitchFamily="50" charset="-128"/>
               </a:rPr>
               <a:t>(4) </a:t>
             </a:r>
             <a:r>
-              <a:rPr kumimoji="1" lang="ja-JP" altLang="en-US" b="1" dirty="0">
+              <a:rPr kumimoji="1" lang="ja-JP" altLang="en-US" sz="2400" b="1" dirty="0">
                 <a:latin typeface="BIZ UDPゴシック" panose="020B0400000000000000" pitchFamily="50" charset="-128"/>
                 <a:ea typeface="BIZ UDPゴシック" panose="020B0400000000000000" pitchFamily="50" charset="-128"/>
               </a:rPr>
@@ -3926,14 +4113,14 @@
           <a:p>
             <a:pPr algn="ctr"/>
             <a:r>
-              <a:rPr kumimoji="1" lang="en-US" altLang="ja-JP" b="1" dirty="0">
+              <a:rPr kumimoji="1" lang="en-US" altLang="ja-JP" sz="2400" b="1" dirty="0">
                 <a:latin typeface="BIZ UDPゴシック" panose="020B0400000000000000" pitchFamily="50" charset="-128"/>
                 <a:ea typeface="BIZ UDPゴシック" panose="020B0400000000000000" pitchFamily="50" charset="-128"/>
               </a:rPr>
               <a:t>(7) </a:t>
             </a:r>
             <a:r>
-              <a:rPr kumimoji="1" lang="ja-JP" altLang="en-US" b="1" dirty="0">
+              <a:rPr kumimoji="1" lang="ja-JP" altLang="en-US" sz="2400" b="1" dirty="0">
                 <a:latin typeface="BIZ UDPゴシック" panose="020B0400000000000000" pitchFamily="50" charset="-128"/>
                 <a:ea typeface="BIZ UDPゴシック" panose="020B0400000000000000" pitchFamily="50" charset="-128"/>
               </a:rPr>
@@ -3989,21 +4176,21 @@
           <a:p>
             <a:pPr algn="ctr"/>
             <a:r>
-              <a:rPr lang="en-US" altLang="ja-JP" b="1" dirty="0">
+              <a:rPr lang="en-US" altLang="ja-JP" sz="2400" b="1" dirty="0">
                 <a:latin typeface="BIZ UDPゴシック" panose="020B0400000000000000" pitchFamily="50" charset="-128"/>
                 <a:ea typeface="BIZ UDPゴシック" panose="020B0400000000000000" pitchFamily="50" charset="-128"/>
               </a:rPr>
               <a:t>(6)</a:t>
             </a:r>
             <a:r>
-              <a:rPr lang="ja-JP" altLang="en-US" b="1" dirty="0">
+              <a:rPr lang="ja-JP" altLang="en-US" sz="2400" b="1" dirty="0">
                 <a:latin typeface="BIZ UDPゴシック" panose="020B0400000000000000" pitchFamily="50" charset="-128"/>
                 <a:ea typeface="BIZ UDPゴシック" panose="020B0400000000000000" pitchFamily="50" charset="-128"/>
               </a:rPr>
               <a:t> 知覚</a:t>
             </a:r>
             <a:r>
-              <a:rPr kumimoji="1" lang="ja-JP" altLang="en-US" b="1" dirty="0">
+              <a:rPr kumimoji="1" lang="ja-JP" altLang="en-US" sz="2400" b="1" dirty="0">
                 <a:latin typeface="BIZ UDPゴシック" panose="020B0400000000000000" pitchFamily="50" charset="-128"/>
                 <a:ea typeface="BIZ UDPゴシック" panose="020B0400000000000000" pitchFamily="50" charset="-128"/>
               </a:rPr>
@@ -4059,20 +4246,20 @@
           <a:p>
             <a:pPr algn="ctr"/>
             <a:r>
-              <a:rPr lang="en-US" altLang="ja-JP" b="1" dirty="0">
+              <a:rPr lang="en-US" altLang="ja-JP" sz="2400" b="1" dirty="0">
                 <a:latin typeface="BIZ UDPゴシック" panose="020B0400000000000000" pitchFamily="50" charset="-128"/>
                 <a:ea typeface="BIZ UDPゴシック" panose="020B0400000000000000" pitchFamily="50" charset="-128"/>
               </a:rPr>
               <a:t>(5) </a:t>
             </a:r>
             <a:r>
-              <a:rPr lang="ja-JP" altLang="en-US" b="1" dirty="0">
+              <a:rPr lang="ja-JP" altLang="en-US" sz="2400" b="1" dirty="0">
                 <a:latin typeface="BIZ UDPゴシック" panose="020B0400000000000000" pitchFamily="50" charset="-128"/>
                 <a:ea typeface="BIZ UDPゴシック" panose="020B0400000000000000" pitchFamily="50" charset="-128"/>
               </a:rPr>
               <a:t>変化知覚</a:t>
             </a:r>
-            <a:endParaRPr kumimoji="1" lang="ja-JP" altLang="en-US" b="1" dirty="0">
+            <a:endParaRPr kumimoji="1" lang="ja-JP" altLang="en-US" sz="2400" b="1" dirty="0">
               <a:latin typeface="BIZ UDPゴシック" panose="020B0400000000000000" pitchFamily="50" charset="-128"/>
               <a:ea typeface="BIZ UDPゴシック" panose="020B0400000000000000" pitchFamily="50" charset="-128"/>
             </a:endParaRPr>
@@ -4132,7 +4319,7 @@
           <a:p>
             <a:pPr algn="ctr"/>
             <a:r>
-              <a:rPr kumimoji="1" lang="ja-JP" altLang="en-US" b="1" dirty="0">
+              <a:rPr kumimoji="1" lang="ja-JP" altLang="en-US" sz="2400" b="1" dirty="0">
                 <a:latin typeface="BIZ UDPゴシック" panose="020B0400000000000000" pitchFamily="50" charset="-128"/>
                 <a:ea typeface="BIZ UDPゴシック" panose="020B0400000000000000" pitchFamily="50" charset="-128"/>
               </a:rPr>
@@ -4589,27 +4776,27 @@
           <a:p>
             <a:pPr algn="ctr"/>
             <a:r>
-              <a:rPr lang="ja-JP" altLang="en-US" sz="3600" b="1" dirty="0">
+              <a:rPr lang="ja-JP" altLang="en-US" sz="2400" b="1" dirty="0">
                 <a:latin typeface="BIZ UDPゴシック" panose="020B0400000000000000" pitchFamily="50" charset="-128"/>
                 <a:ea typeface="BIZ UDPゴシック" panose="020B0400000000000000" pitchFamily="50" charset="-128"/>
               </a:rPr>
               <a:t>コンピュータ特有の抽象概念</a:t>
             </a:r>
-            <a:endParaRPr lang="en-US" altLang="ja-JP" sz="3600" b="1" dirty="0">
+            <a:endParaRPr lang="en-US" altLang="ja-JP" sz="2400" b="1" dirty="0">
               <a:latin typeface="BIZ UDPゴシック" panose="020B0400000000000000" pitchFamily="50" charset="-128"/>
               <a:ea typeface="BIZ UDPゴシック" panose="020B0400000000000000" pitchFamily="50" charset="-128"/>
             </a:endParaRPr>
           </a:p>
           <a:p>
             <a:pPr algn="ctr"/>
-            <a:endParaRPr kumimoji="1" lang="en-US" altLang="ja-JP" b="1" dirty="0">
+            <a:endParaRPr kumimoji="1" lang="en-US" altLang="ja-JP" sz="2400" b="1" dirty="0">
               <a:latin typeface="BIZ UDPゴシック" panose="020B0400000000000000" pitchFamily="50" charset="-128"/>
               <a:ea typeface="BIZ UDPゴシック" panose="020B0400000000000000" pitchFamily="50" charset="-128"/>
             </a:endParaRPr>
           </a:p>
           <a:p>
             <a:pPr algn="ctr"/>
-            <a:endParaRPr lang="en-US" altLang="ja-JP" b="1" dirty="0">
+            <a:endParaRPr lang="en-US" altLang="ja-JP" sz="2400" b="1" dirty="0">
               <a:latin typeface="BIZ UDPゴシック" panose="020B0400000000000000" pitchFamily="50" charset="-128"/>
               <a:ea typeface="BIZ UDPゴシック" panose="020B0400000000000000" pitchFamily="50" charset="-128"/>
             </a:endParaRPr>
@@ -4663,14 +4850,14 @@
           <a:p>
             <a:pPr algn="ctr"/>
             <a:r>
-              <a:rPr kumimoji="1" lang="en-US" altLang="ja-JP" b="1" dirty="0">
+              <a:rPr kumimoji="1" lang="en-US" altLang="ja-JP" sz="2400" b="1" dirty="0">
                 <a:latin typeface="BIZ UDPゴシック" panose="020B0400000000000000" pitchFamily="50" charset="-128"/>
                 <a:ea typeface="BIZ UDPゴシック" panose="020B0400000000000000" pitchFamily="50" charset="-128"/>
               </a:rPr>
               <a:t>(1) </a:t>
             </a:r>
             <a:r>
-              <a:rPr kumimoji="1" lang="ja-JP" altLang="en-US" b="1" dirty="0">
+              <a:rPr kumimoji="1" lang="ja-JP" altLang="en-US" sz="2400" b="1" dirty="0">
                 <a:latin typeface="BIZ UDPゴシック" panose="020B0400000000000000" pitchFamily="50" charset="-128"/>
                 <a:ea typeface="BIZ UDPゴシック" panose="020B0400000000000000" pitchFamily="50" charset="-128"/>
               </a:rPr>
@@ -4726,14 +4913,14 @@
           <a:p>
             <a:pPr algn="ctr"/>
             <a:r>
-              <a:rPr kumimoji="1" lang="en-US" altLang="ja-JP" b="1" dirty="0">
+              <a:rPr kumimoji="1" lang="en-US" altLang="ja-JP" sz="2400" b="1" dirty="0">
                 <a:latin typeface="BIZ UDPゴシック" panose="020B0400000000000000" pitchFamily="50" charset="-128"/>
                 <a:ea typeface="BIZ UDPゴシック" panose="020B0400000000000000" pitchFamily="50" charset="-128"/>
               </a:rPr>
               <a:t>(2) </a:t>
             </a:r>
             <a:r>
-              <a:rPr kumimoji="1" lang="ja-JP" altLang="en-US" b="1" dirty="0">
+              <a:rPr kumimoji="1" lang="ja-JP" altLang="en-US" sz="2400" b="1" dirty="0">
                 <a:latin typeface="BIZ UDPゴシック" panose="020B0400000000000000" pitchFamily="50" charset="-128"/>
                 <a:ea typeface="BIZ UDPゴシック" panose="020B0400000000000000" pitchFamily="50" charset="-128"/>
               </a:rPr>
@@ -4789,14 +4976,14 @@
           <a:p>
             <a:pPr algn="ctr"/>
             <a:r>
-              <a:rPr kumimoji="1" lang="en-US" altLang="ja-JP" b="1" dirty="0">
+              <a:rPr kumimoji="1" lang="en-US" altLang="ja-JP" sz="2400" b="1" dirty="0">
                 <a:latin typeface="BIZ UDPゴシック" panose="020B0400000000000000" pitchFamily="50" charset="-128"/>
                 <a:ea typeface="BIZ UDPゴシック" panose="020B0400000000000000" pitchFamily="50" charset="-128"/>
               </a:rPr>
               <a:t>(3) </a:t>
             </a:r>
             <a:r>
-              <a:rPr kumimoji="1" lang="ja-JP" altLang="en-US" b="1" dirty="0">
+              <a:rPr kumimoji="1" lang="ja-JP" altLang="en-US" sz="2400" b="1" dirty="0">
                 <a:latin typeface="BIZ UDPゴシック" panose="020B0400000000000000" pitchFamily="50" charset="-128"/>
                 <a:ea typeface="BIZ UDPゴシック" panose="020B0400000000000000" pitchFamily="50" charset="-128"/>
               </a:rPr>
@@ -4852,14 +5039,14 @@
           <a:p>
             <a:pPr algn="ctr"/>
             <a:r>
-              <a:rPr kumimoji="1" lang="en-US" altLang="ja-JP" b="1" dirty="0">
+              <a:rPr kumimoji="1" lang="en-US" altLang="ja-JP" sz="2400" b="1" dirty="0">
                 <a:latin typeface="BIZ UDPゴシック" panose="020B0400000000000000" pitchFamily="50" charset="-128"/>
                 <a:ea typeface="BIZ UDPゴシック" panose="020B0400000000000000" pitchFamily="50" charset="-128"/>
               </a:rPr>
               <a:t>(4) </a:t>
             </a:r>
             <a:r>
-              <a:rPr kumimoji="1" lang="ja-JP" altLang="en-US" b="1" dirty="0">
+              <a:rPr kumimoji="1" lang="ja-JP" altLang="en-US" sz="2400" b="1" dirty="0">
                 <a:latin typeface="BIZ UDPゴシック" panose="020B0400000000000000" pitchFamily="50" charset="-128"/>
                 <a:ea typeface="BIZ UDPゴシック" panose="020B0400000000000000" pitchFamily="50" charset="-128"/>
               </a:rPr>
@@ -4915,14 +5102,14 @@
           <a:p>
             <a:pPr algn="ctr"/>
             <a:r>
-              <a:rPr kumimoji="1" lang="en-US" altLang="ja-JP" b="1" dirty="0">
+              <a:rPr kumimoji="1" lang="en-US" altLang="ja-JP" sz="2400" b="1" dirty="0">
                 <a:latin typeface="BIZ UDPゴシック" panose="020B0400000000000000" pitchFamily="50" charset="-128"/>
                 <a:ea typeface="BIZ UDPゴシック" panose="020B0400000000000000" pitchFamily="50" charset="-128"/>
               </a:rPr>
               <a:t>(7) </a:t>
             </a:r>
             <a:r>
-              <a:rPr kumimoji="1" lang="ja-JP" altLang="en-US" b="1" dirty="0">
+              <a:rPr kumimoji="1" lang="ja-JP" altLang="en-US" sz="2400" b="1" dirty="0">
                 <a:latin typeface="BIZ UDPゴシック" panose="020B0400000000000000" pitchFamily="50" charset="-128"/>
                 <a:ea typeface="BIZ UDPゴシック" panose="020B0400000000000000" pitchFamily="50" charset="-128"/>
               </a:rPr>
@@ -4978,21 +5165,21 @@
           <a:p>
             <a:pPr algn="ctr"/>
             <a:r>
-              <a:rPr lang="en-US" altLang="ja-JP" b="1" dirty="0">
+              <a:rPr lang="en-US" altLang="ja-JP" sz="2400" b="1" dirty="0">
                 <a:latin typeface="BIZ UDPゴシック" panose="020B0400000000000000" pitchFamily="50" charset="-128"/>
                 <a:ea typeface="BIZ UDPゴシック" panose="020B0400000000000000" pitchFamily="50" charset="-128"/>
               </a:rPr>
               <a:t>(6)</a:t>
             </a:r>
             <a:r>
-              <a:rPr lang="ja-JP" altLang="en-US" b="1" dirty="0">
+              <a:rPr lang="ja-JP" altLang="en-US" sz="2400" b="1" dirty="0">
                 <a:latin typeface="BIZ UDPゴシック" panose="020B0400000000000000" pitchFamily="50" charset="-128"/>
                 <a:ea typeface="BIZ UDPゴシック" panose="020B0400000000000000" pitchFamily="50" charset="-128"/>
               </a:rPr>
               <a:t> 知覚</a:t>
             </a:r>
             <a:r>
-              <a:rPr kumimoji="1" lang="ja-JP" altLang="en-US" b="1" dirty="0">
+              <a:rPr kumimoji="1" lang="ja-JP" altLang="en-US" sz="2400" b="1" dirty="0">
                 <a:latin typeface="BIZ UDPゴシック" panose="020B0400000000000000" pitchFamily="50" charset="-128"/>
                 <a:ea typeface="BIZ UDPゴシック" panose="020B0400000000000000" pitchFamily="50" charset="-128"/>
               </a:rPr>
@@ -5048,20 +5235,20 @@
           <a:p>
             <a:pPr algn="ctr"/>
             <a:r>
-              <a:rPr lang="en-US" altLang="ja-JP" b="1" dirty="0">
+              <a:rPr lang="en-US" altLang="ja-JP" sz="2400" b="1" dirty="0">
                 <a:latin typeface="BIZ UDPゴシック" panose="020B0400000000000000" pitchFamily="50" charset="-128"/>
                 <a:ea typeface="BIZ UDPゴシック" panose="020B0400000000000000" pitchFamily="50" charset="-128"/>
               </a:rPr>
               <a:t>(5) </a:t>
             </a:r>
             <a:r>
-              <a:rPr lang="ja-JP" altLang="en-US" b="1" dirty="0">
+              <a:rPr lang="ja-JP" altLang="en-US" sz="2400" b="1" dirty="0">
                 <a:latin typeface="BIZ UDPゴシック" panose="020B0400000000000000" pitchFamily="50" charset="-128"/>
                 <a:ea typeface="BIZ UDPゴシック" panose="020B0400000000000000" pitchFamily="50" charset="-128"/>
               </a:rPr>
               <a:t>変化知覚</a:t>
             </a:r>
-            <a:endParaRPr kumimoji="1" lang="ja-JP" altLang="en-US" b="1" dirty="0">
+            <a:endParaRPr kumimoji="1" lang="ja-JP" altLang="en-US" sz="2400" b="1" dirty="0">
               <a:latin typeface="BIZ UDPゴシック" panose="020B0400000000000000" pitchFamily="50" charset="-128"/>
               <a:ea typeface="BIZ UDPゴシック" panose="020B0400000000000000" pitchFamily="50" charset="-128"/>
             </a:endParaRPr>
@@ -5516,13 +5703,13 @@
           <a:p>
             <a:pPr algn="ctr"/>
             <a:r>
-              <a:rPr lang="ja-JP" altLang="en-US" sz="3600" b="1" dirty="0">
+              <a:rPr lang="ja-JP" altLang="en-US" sz="2400" b="1" dirty="0">
                 <a:latin typeface="BIZ UDPゴシック" panose="020B0400000000000000" pitchFamily="50" charset="-128"/>
                 <a:ea typeface="BIZ UDPゴシック" panose="020B0400000000000000" pitchFamily="50" charset="-128"/>
               </a:rPr>
               <a:t>会話のパートナー</a:t>
             </a:r>
-            <a:endParaRPr lang="en-US" altLang="ja-JP" b="1" dirty="0">
+            <a:endParaRPr lang="en-US" altLang="ja-JP" sz="2400" b="1" dirty="0">
               <a:latin typeface="BIZ UDPゴシック" panose="020B0400000000000000" pitchFamily="50" charset="-128"/>
               <a:ea typeface="BIZ UDPゴシック" panose="020B0400000000000000" pitchFamily="50" charset="-128"/>
             </a:endParaRPr>
@@ -5639,14 +5826,14 @@
           <a:p>
             <a:pPr algn="ctr"/>
             <a:r>
-              <a:rPr kumimoji="1" lang="en-US" altLang="ja-JP" b="1" dirty="0">
+              <a:rPr kumimoji="1" lang="en-US" altLang="ja-JP" sz="2400" b="1" dirty="0">
                 <a:latin typeface="BIZ UDPゴシック" panose="020B0400000000000000" pitchFamily="50" charset="-128"/>
                 <a:ea typeface="BIZ UDPゴシック" panose="020B0400000000000000" pitchFamily="50" charset="-128"/>
               </a:rPr>
               <a:t>(2) </a:t>
             </a:r>
             <a:r>
-              <a:rPr kumimoji="1" lang="ja-JP" altLang="en-US" b="1" dirty="0">
+              <a:rPr kumimoji="1" lang="ja-JP" altLang="en-US" sz="2400" b="1" dirty="0">
                 <a:latin typeface="BIZ UDPゴシック" panose="020B0400000000000000" pitchFamily="50" charset="-128"/>
                 <a:ea typeface="BIZ UDPゴシック" panose="020B0400000000000000" pitchFamily="50" charset="-128"/>
               </a:rPr>
@@ -5702,14 +5889,14 @@
           <a:p>
             <a:pPr algn="ctr"/>
             <a:r>
-              <a:rPr kumimoji="1" lang="en-US" altLang="ja-JP" b="1" dirty="0">
+              <a:rPr kumimoji="1" lang="en-US" altLang="ja-JP" sz="2400" b="1" dirty="0">
                 <a:latin typeface="BIZ UDPゴシック" panose="020B0400000000000000" pitchFamily="50" charset="-128"/>
                 <a:ea typeface="BIZ UDPゴシック" panose="020B0400000000000000" pitchFamily="50" charset="-128"/>
               </a:rPr>
               <a:t>(7) </a:t>
             </a:r>
             <a:r>
-              <a:rPr kumimoji="1" lang="ja-JP" altLang="en-US" b="1" dirty="0">
+              <a:rPr kumimoji="1" lang="ja-JP" altLang="en-US" sz="2400" b="1" dirty="0">
                 <a:latin typeface="BIZ UDPゴシック" panose="020B0400000000000000" pitchFamily="50" charset="-128"/>
                 <a:ea typeface="BIZ UDPゴシック" panose="020B0400000000000000" pitchFamily="50" charset="-128"/>
               </a:rPr>
